--- a/Week 01/course_intro/images/Images.pptx
+++ b/Week 01/course_intro/images/Images.pptx
@@ -2964,575 +2964,560 @@
           <a:chExt cx="0" cy="0"/>
         </a:xfrm>
       </p:grpSpPr>
-      <p:grpSp>
-        <p:nvGrpSpPr>
-          <p:cNvPr id="13" name="Group 12"/>
-          <p:cNvGrpSpPr/>
+      <p:sp>
+        <p:nvSpPr>
+          <p:cNvPr id="4" name="Oval 3"/>
+          <p:cNvSpPr/>
           <p:nvPr/>
-        </p:nvGrpSpPr>
-        <p:grpSpPr>
+        </p:nvSpPr>
+        <p:spPr>
           <a:xfrm>
-            <a:off x="2008093" y="1402780"/>
-            <a:ext cx="7512425" cy="5429998"/>
-            <a:chOff x="2008093" y="1402780"/>
-            <a:chExt cx="7512425" cy="5429998"/>
+            <a:off x="2169458" y="2061499"/>
+            <a:ext cx="2826871" cy="2929218"/>
           </a:xfrm>
-        </p:grpSpPr>
-        <p:sp>
-          <p:nvSpPr>
-            <p:cNvPr id="4" name="Oval 3"/>
-            <p:cNvSpPr/>
-            <p:nvPr/>
-          </p:nvSpPr>
-          <p:spPr>
-            <a:xfrm>
-              <a:off x="2008093" y="2653170"/>
-              <a:ext cx="2826871" cy="2929218"/>
-            </a:xfrm>
-            <a:prstGeom prst="ellipse">
-              <a:avLst/>
-            </a:prstGeom>
+          <a:prstGeom prst="ellipse">
+            <a:avLst/>
+          </a:prstGeom>
+          <a:solidFill>
+            <a:schemeClr val="accent2">
+              <a:lumMod val="50000"/>
+              <a:alpha val="84000"/>
+            </a:schemeClr>
+          </a:solidFill>
+          <a:ln>
             <a:solidFill>
-              <a:schemeClr val="accent2">
-                <a:lumMod val="50000"/>
-                <a:alpha val="84000"/>
-              </a:schemeClr>
+              <a:schemeClr val="tx1"/>
             </a:solidFill>
-            <a:ln>
-              <a:solidFill>
-                <a:schemeClr val="tx1"/>
-              </a:solidFill>
-            </a:ln>
-          </p:spPr>
-          <p:style>
-            <a:lnRef idx="2">
-              <a:schemeClr val="accent1">
-                <a:shade val="50000"/>
-              </a:schemeClr>
-            </a:lnRef>
-            <a:fillRef idx="1">
-              <a:schemeClr val="accent1"/>
-            </a:fillRef>
-            <a:effectRef idx="0">
-              <a:schemeClr val="accent1"/>
-            </a:effectRef>
-            <a:fontRef idx="minor">
-              <a:schemeClr val="lt1"/>
-            </a:fontRef>
-          </p:style>
-          <p:txBody>
-            <a:bodyPr rtlCol="0" anchor="ctr"/>
-            <a:lstStyle/>
-            <a:p>
-              <a:pPr algn="ctr"/>
-              <a:endParaRPr lang="en-US"/>
-            </a:p>
-          </p:txBody>
-        </p:sp>
-        <p:sp>
-          <p:nvSpPr>
-            <p:cNvPr id="5" name="Oval 4"/>
-            <p:cNvSpPr/>
-            <p:nvPr/>
-          </p:nvSpPr>
-          <p:spPr>
-            <a:xfrm>
-              <a:off x="4087906" y="1402780"/>
-              <a:ext cx="5432612" cy="5429998"/>
-            </a:xfrm>
-            <a:prstGeom prst="ellipse">
-              <a:avLst/>
-            </a:prstGeom>
+          </a:ln>
+        </p:spPr>
+        <p:style>
+          <a:lnRef idx="2">
+            <a:schemeClr val="accent1">
+              <a:shade val="50000"/>
+            </a:schemeClr>
+          </a:lnRef>
+          <a:fillRef idx="1">
+            <a:schemeClr val="accent1"/>
+          </a:fillRef>
+          <a:effectRef idx="0">
+            <a:schemeClr val="accent1"/>
+          </a:effectRef>
+          <a:fontRef idx="minor">
+            <a:schemeClr val="lt1"/>
+          </a:fontRef>
+        </p:style>
+        <p:txBody>
+          <a:bodyPr rtlCol="0" anchor="ctr"/>
+          <a:lstStyle/>
+          <a:p>
+            <a:pPr algn="ctr"/>
+            <a:endParaRPr lang="en-US"/>
+          </a:p>
+        </p:txBody>
+      </p:sp>
+      <p:sp>
+        <p:nvSpPr>
+          <p:cNvPr id="5" name="Oval 4"/>
+          <p:cNvSpPr/>
+          <p:nvPr/>
+        </p:nvSpPr>
+        <p:spPr>
+          <a:xfrm>
+            <a:off x="4249271" y="811109"/>
+            <a:ext cx="5432612" cy="5429998"/>
+          </a:xfrm>
+          <a:prstGeom prst="ellipse">
+            <a:avLst/>
+          </a:prstGeom>
+          <a:solidFill>
+            <a:schemeClr val="accent1">
+              <a:alpha val="46000"/>
+            </a:schemeClr>
+          </a:solidFill>
+          <a:ln>
             <a:solidFill>
-              <a:schemeClr val="accent1">
-                <a:alpha val="46000"/>
-              </a:schemeClr>
+              <a:schemeClr val="tx1"/>
             </a:solidFill>
-            <a:ln>
-              <a:solidFill>
-                <a:schemeClr val="tx1"/>
-              </a:solidFill>
-            </a:ln>
-          </p:spPr>
-          <p:style>
-            <a:lnRef idx="2">
-              <a:schemeClr val="accent1">
-                <a:shade val="50000"/>
-              </a:schemeClr>
-            </a:lnRef>
-            <a:fillRef idx="1">
-              <a:schemeClr val="accent1"/>
-            </a:fillRef>
-            <a:effectRef idx="0">
-              <a:schemeClr val="accent1"/>
-            </a:effectRef>
-            <a:fontRef idx="minor">
-              <a:schemeClr val="lt1"/>
-            </a:fontRef>
-          </p:style>
-          <p:txBody>
-            <a:bodyPr rtlCol="0" anchor="ctr"/>
-            <a:lstStyle/>
-            <a:p>
-              <a:pPr algn="ctr"/>
-              <a:endParaRPr lang="en-US"/>
-            </a:p>
-          </p:txBody>
-        </p:sp>
-        <p:sp>
-          <p:nvSpPr>
-            <p:cNvPr id="7" name="Oval 6"/>
-            <p:cNvSpPr/>
-            <p:nvPr/>
-          </p:nvSpPr>
-          <p:spPr>
-            <a:xfrm>
-              <a:off x="4267200" y="2378625"/>
-              <a:ext cx="3955799" cy="3627727"/>
-            </a:xfrm>
-            <a:prstGeom prst="ellipse">
-              <a:avLst/>
-            </a:prstGeom>
+          </a:ln>
+        </p:spPr>
+        <p:style>
+          <a:lnRef idx="2">
+            <a:schemeClr val="accent1">
+              <a:shade val="50000"/>
+            </a:schemeClr>
+          </a:lnRef>
+          <a:fillRef idx="1">
+            <a:schemeClr val="accent1"/>
+          </a:fillRef>
+          <a:effectRef idx="0">
+            <a:schemeClr val="accent1"/>
+          </a:effectRef>
+          <a:fontRef idx="minor">
+            <a:schemeClr val="lt1"/>
+          </a:fontRef>
+        </p:style>
+        <p:txBody>
+          <a:bodyPr rtlCol="0" anchor="ctr"/>
+          <a:lstStyle/>
+          <a:p>
+            <a:pPr algn="ctr"/>
+            <a:endParaRPr lang="en-US"/>
+          </a:p>
+        </p:txBody>
+      </p:sp>
+      <p:sp>
+        <p:nvSpPr>
+          <p:cNvPr id="7" name="Oval 6"/>
+          <p:cNvSpPr/>
+          <p:nvPr/>
+        </p:nvSpPr>
+        <p:spPr>
+          <a:xfrm>
+            <a:off x="4428565" y="1786954"/>
+            <a:ext cx="3955799" cy="3627727"/>
+          </a:xfrm>
+          <a:prstGeom prst="ellipse">
+            <a:avLst/>
+          </a:prstGeom>
+          <a:solidFill>
+            <a:srgbClr val="FA7D00">
+              <a:alpha val="60000"/>
+            </a:srgbClr>
+          </a:solidFill>
+          <a:ln>
             <a:solidFill>
-              <a:srgbClr val="FA7D00">
-                <a:alpha val="60000"/>
-              </a:srgbClr>
+              <a:schemeClr val="tx1"/>
             </a:solidFill>
-            <a:ln>
-              <a:solidFill>
-                <a:schemeClr val="tx1"/>
-              </a:solidFill>
-            </a:ln>
-          </p:spPr>
-          <p:style>
-            <a:lnRef idx="2">
-              <a:schemeClr val="accent1">
-                <a:shade val="50000"/>
-              </a:schemeClr>
-            </a:lnRef>
-            <a:fillRef idx="1">
-              <a:schemeClr val="accent1"/>
-            </a:fillRef>
-            <a:effectRef idx="0">
-              <a:schemeClr val="accent1"/>
-            </a:effectRef>
-            <a:fontRef idx="minor">
-              <a:schemeClr val="lt1"/>
-            </a:fontRef>
-          </p:style>
-          <p:txBody>
-            <a:bodyPr rtlCol="0" anchor="ctr"/>
-            <a:lstStyle/>
-            <a:p>
-              <a:pPr algn="ctr"/>
-              <a:endParaRPr lang="en-US"/>
-            </a:p>
-          </p:txBody>
-        </p:sp>
-        <p:sp>
-          <p:nvSpPr>
-            <p:cNvPr id="9" name="Oval 8"/>
-            <p:cNvSpPr>
-              <a:spLocks noChangeAspect="1"/>
-            </p:cNvSpPr>
-            <p:nvPr/>
-          </p:nvSpPr>
-          <p:spPr>
-            <a:xfrm>
-              <a:off x="4284824" y="2582422"/>
-              <a:ext cx="3120332" cy="3291840"/>
-            </a:xfrm>
-            <a:prstGeom prst="ellipse">
-              <a:avLst/>
-            </a:prstGeom>
+          </a:ln>
+        </p:spPr>
+        <p:style>
+          <a:lnRef idx="2">
+            <a:schemeClr val="accent1">
+              <a:shade val="50000"/>
+            </a:schemeClr>
+          </a:lnRef>
+          <a:fillRef idx="1">
+            <a:schemeClr val="accent1"/>
+          </a:fillRef>
+          <a:effectRef idx="0">
+            <a:schemeClr val="accent1"/>
+          </a:effectRef>
+          <a:fontRef idx="minor">
+            <a:schemeClr val="lt1"/>
+          </a:fontRef>
+        </p:style>
+        <p:txBody>
+          <a:bodyPr rtlCol="0" anchor="ctr"/>
+          <a:lstStyle/>
+          <a:p>
+            <a:pPr algn="ctr"/>
+            <a:endParaRPr lang="en-US"/>
+          </a:p>
+        </p:txBody>
+      </p:sp>
+      <p:sp>
+        <p:nvSpPr>
+          <p:cNvPr id="9" name="Oval 8"/>
+          <p:cNvSpPr>
+            <a:spLocks noChangeAspect="1"/>
+          </p:cNvSpPr>
+          <p:nvPr/>
+        </p:nvSpPr>
+        <p:spPr>
+          <a:xfrm>
+            <a:off x="4446189" y="1990751"/>
+            <a:ext cx="3120332" cy="3291840"/>
+          </a:xfrm>
+          <a:prstGeom prst="ellipse">
+            <a:avLst/>
+          </a:prstGeom>
+          <a:solidFill>
+            <a:srgbClr val="7030A0">
+              <a:alpha val="66000"/>
+            </a:srgbClr>
+          </a:solidFill>
+          <a:ln>
             <a:solidFill>
-              <a:srgbClr val="7030A0">
-                <a:alpha val="66000"/>
-              </a:srgbClr>
+              <a:schemeClr val="tx1"/>
             </a:solidFill>
-            <a:ln>
-              <a:solidFill>
-                <a:schemeClr val="tx1"/>
-              </a:solidFill>
-            </a:ln>
-          </p:spPr>
-          <p:style>
-            <a:lnRef idx="2">
-              <a:schemeClr val="accent1">
-                <a:shade val="50000"/>
-              </a:schemeClr>
-            </a:lnRef>
-            <a:fillRef idx="1">
-              <a:schemeClr val="accent1"/>
-            </a:fillRef>
-            <a:effectRef idx="0">
-              <a:schemeClr val="accent1"/>
-            </a:effectRef>
-            <a:fontRef idx="minor">
-              <a:schemeClr val="lt1"/>
-            </a:fontRef>
-          </p:style>
-          <p:txBody>
-            <a:bodyPr rtlCol="0" anchor="ctr"/>
-            <a:lstStyle/>
-            <a:p>
-              <a:pPr algn="ctr"/>
-              <a:endParaRPr lang="en-US"/>
-            </a:p>
-          </p:txBody>
-        </p:sp>
-        <p:sp>
-          <p:nvSpPr>
-            <p:cNvPr id="10" name="Oval 9"/>
-            <p:cNvSpPr>
-              <a:spLocks noChangeAspect="1"/>
-            </p:cNvSpPr>
-            <p:nvPr/>
-          </p:nvSpPr>
-          <p:spPr>
-            <a:xfrm>
-              <a:off x="7146324" y="4787272"/>
-              <a:ext cx="1589154" cy="1676501"/>
-            </a:xfrm>
-            <a:prstGeom prst="ellipse">
-              <a:avLst/>
-            </a:prstGeom>
+          </a:ln>
+        </p:spPr>
+        <p:style>
+          <a:lnRef idx="2">
+            <a:schemeClr val="accent1">
+              <a:shade val="50000"/>
+            </a:schemeClr>
+          </a:lnRef>
+          <a:fillRef idx="1">
+            <a:schemeClr val="accent1"/>
+          </a:fillRef>
+          <a:effectRef idx="0">
+            <a:schemeClr val="accent1"/>
+          </a:effectRef>
+          <a:fontRef idx="minor">
+            <a:schemeClr val="lt1"/>
+          </a:fontRef>
+        </p:style>
+        <p:txBody>
+          <a:bodyPr rtlCol="0" anchor="ctr"/>
+          <a:lstStyle/>
+          <a:p>
+            <a:pPr algn="ctr"/>
+            <a:endParaRPr lang="en-US"/>
+          </a:p>
+        </p:txBody>
+      </p:sp>
+      <p:sp>
+        <p:nvSpPr>
+          <p:cNvPr id="10" name="Oval 9"/>
+          <p:cNvSpPr>
+            <a:spLocks noChangeAspect="1"/>
+          </p:cNvSpPr>
+          <p:nvPr/>
+        </p:nvSpPr>
+        <p:spPr>
+          <a:xfrm>
+            <a:off x="7307689" y="4195601"/>
+            <a:ext cx="1589154" cy="1676501"/>
+          </a:xfrm>
+          <a:prstGeom prst="ellipse">
+            <a:avLst/>
+          </a:prstGeom>
+          <a:solidFill>
+            <a:srgbClr val="92D050">
+              <a:alpha val="66000"/>
+            </a:srgbClr>
+          </a:solidFill>
+          <a:ln>
             <a:solidFill>
-              <a:srgbClr val="92D050">
-                <a:alpha val="66000"/>
-              </a:srgbClr>
+              <a:schemeClr val="tx1"/>
             </a:solidFill>
-            <a:ln>
-              <a:solidFill>
-                <a:schemeClr val="tx1"/>
-              </a:solidFill>
-            </a:ln>
-          </p:spPr>
-          <p:style>
-            <a:lnRef idx="2">
-              <a:schemeClr val="accent1">
-                <a:shade val="50000"/>
-              </a:schemeClr>
-            </a:lnRef>
-            <a:fillRef idx="1">
-              <a:schemeClr val="accent1"/>
-            </a:fillRef>
-            <a:effectRef idx="0">
-              <a:schemeClr val="accent1"/>
-            </a:effectRef>
-            <a:fontRef idx="minor">
-              <a:schemeClr val="lt1"/>
-            </a:fontRef>
-          </p:style>
-          <p:txBody>
-            <a:bodyPr rtlCol="0" anchor="ctr"/>
-            <a:lstStyle/>
-            <a:p>
-              <a:pPr algn="ctr"/>
-              <a:endParaRPr lang="en-US"/>
-            </a:p>
-          </p:txBody>
-        </p:sp>
-        <p:sp>
-          <p:nvSpPr>
-            <p:cNvPr id="12" name="Oval 11"/>
-            <p:cNvSpPr>
-              <a:spLocks noChangeAspect="1"/>
-            </p:cNvSpPr>
-            <p:nvPr/>
-          </p:nvSpPr>
-          <p:spPr>
-            <a:xfrm>
-              <a:off x="4311440" y="3355340"/>
-              <a:ext cx="2025017" cy="2136321"/>
-            </a:xfrm>
-            <a:prstGeom prst="ellipse">
-              <a:avLst/>
-            </a:prstGeom>
+          </a:ln>
+        </p:spPr>
+        <p:style>
+          <a:lnRef idx="2">
+            <a:schemeClr val="accent1">
+              <a:shade val="50000"/>
+            </a:schemeClr>
+          </a:lnRef>
+          <a:fillRef idx="1">
+            <a:schemeClr val="accent1"/>
+          </a:fillRef>
+          <a:effectRef idx="0">
+            <a:schemeClr val="accent1"/>
+          </a:effectRef>
+          <a:fontRef idx="minor">
+            <a:schemeClr val="lt1"/>
+          </a:fontRef>
+        </p:style>
+        <p:txBody>
+          <a:bodyPr rtlCol="0" anchor="ctr"/>
+          <a:lstStyle/>
+          <a:p>
+            <a:pPr algn="ctr"/>
+            <a:endParaRPr lang="en-US"/>
+          </a:p>
+        </p:txBody>
+      </p:sp>
+      <p:sp>
+        <p:nvSpPr>
+          <p:cNvPr id="12" name="Oval 11"/>
+          <p:cNvSpPr>
+            <a:spLocks noChangeAspect="1"/>
+          </p:cNvSpPr>
+          <p:nvPr/>
+        </p:nvSpPr>
+        <p:spPr>
+          <a:xfrm>
+            <a:off x="5263641" y="3102671"/>
+            <a:ext cx="2025017" cy="2136321"/>
+          </a:xfrm>
+          <a:prstGeom prst="ellipse">
+            <a:avLst/>
+          </a:prstGeom>
+          <a:solidFill>
+            <a:srgbClr val="C00000">
+              <a:alpha val="53000"/>
+            </a:srgbClr>
+          </a:solidFill>
+          <a:ln>
             <a:solidFill>
-              <a:srgbClr val="C00000">
-                <a:alpha val="53000"/>
-              </a:srgbClr>
+              <a:schemeClr val="tx1"/>
             </a:solidFill>
-            <a:ln>
-              <a:solidFill>
-                <a:schemeClr val="tx1"/>
-              </a:solidFill>
-            </a:ln>
-          </p:spPr>
-          <p:style>
-            <a:lnRef idx="2">
-              <a:schemeClr val="accent1">
-                <a:shade val="50000"/>
-              </a:schemeClr>
-            </a:lnRef>
-            <a:fillRef idx="1">
-              <a:schemeClr val="accent1"/>
-            </a:fillRef>
-            <a:effectRef idx="0">
-              <a:schemeClr val="accent1"/>
-            </a:effectRef>
-            <a:fontRef idx="minor">
-              <a:schemeClr val="lt1"/>
-            </a:fontRef>
-          </p:style>
-          <p:txBody>
-            <a:bodyPr rtlCol="0" anchor="ctr"/>
-            <a:lstStyle/>
-            <a:p>
-              <a:pPr algn="ctr"/>
-              <a:endParaRPr lang="en-US"/>
-            </a:p>
-          </p:txBody>
-        </p:sp>
-        <p:sp>
-          <p:nvSpPr>
-            <p:cNvPr id="11" name="TextBox 10"/>
-            <p:cNvSpPr txBox="1"/>
-            <p:nvPr/>
-          </p:nvSpPr>
-          <p:spPr>
-            <a:xfrm>
-              <a:off x="6718044" y="1753230"/>
-              <a:ext cx="1192955" cy="461665"/>
-            </a:xfrm>
-            <a:prstGeom prst="rect">
-              <a:avLst/>
-            </a:prstGeom>
-            <a:noFill/>
-          </p:spPr>
-          <p:txBody>
-            <a:bodyPr wrap="none" rtlCol="0">
-              <a:spAutoFit/>
-            </a:bodyPr>
-            <a:lstStyle/>
-            <a:p>
-              <a:r>
-                <a:rPr lang="en-US" sz="2400" b="1" dirty="0" smtClean="0">
-                  <a:latin typeface="Times New Roman" panose="02020603050405020304" pitchFamily="18" charset="0"/>
-                  <a:cs typeface="Times New Roman" panose="02020603050405020304" pitchFamily="18" charset="0"/>
-                </a:rPr>
-                <a:t>GitHub</a:t>
-              </a:r>
-              <a:endParaRPr lang="en-US" sz="2400" b="1" dirty="0">
+          </a:ln>
+        </p:spPr>
+        <p:style>
+          <a:lnRef idx="2">
+            <a:schemeClr val="accent1">
+              <a:shade val="50000"/>
+            </a:schemeClr>
+          </a:lnRef>
+          <a:fillRef idx="1">
+            <a:schemeClr val="accent1"/>
+          </a:fillRef>
+          <a:effectRef idx="0">
+            <a:schemeClr val="accent1"/>
+          </a:effectRef>
+          <a:fontRef idx="minor">
+            <a:schemeClr val="lt1"/>
+          </a:fontRef>
+        </p:style>
+        <p:txBody>
+          <a:bodyPr rtlCol="0" anchor="ctr"/>
+          <a:lstStyle/>
+          <a:p>
+            <a:pPr algn="ctr"/>
+            <a:endParaRPr lang="en-US"/>
+          </a:p>
+        </p:txBody>
+      </p:sp>
+      <p:sp>
+        <p:nvSpPr>
+          <p:cNvPr id="11" name="TextBox 10"/>
+          <p:cNvSpPr txBox="1"/>
+          <p:nvPr/>
+        </p:nvSpPr>
+        <p:spPr>
+          <a:xfrm>
+            <a:off x="6879409" y="1161559"/>
+            <a:ext cx="1192955" cy="461665"/>
+          </a:xfrm>
+          <a:prstGeom prst="rect">
+            <a:avLst/>
+          </a:prstGeom>
+          <a:noFill/>
+        </p:spPr>
+        <p:txBody>
+          <a:bodyPr wrap="none" rtlCol="0">
+            <a:spAutoFit/>
+          </a:bodyPr>
+          <a:lstStyle/>
+          <a:p>
+            <a:r>
+              <a:rPr lang="en-US" sz="2400" b="1" dirty="0" smtClean="0">
                 <a:latin typeface="Times New Roman" panose="02020603050405020304" pitchFamily="18" charset="0"/>
                 <a:cs typeface="Times New Roman" panose="02020603050405020304" pitchFamily="18" charset="0"/>
-              </a:endParaRPr>
-            </a:p>
-          </p:txBody>
-        </p:sp>
-        <p:sp>
-          <p:nvSpPr>
-            <p:cNvPr id="14" name="TextBox 13"/>
-            <p:cNvSpPr txBox="1"/>
-            <p:nvPr/>
-          </p:nvSpPr>
-          <p:spPr>
-            <a:xfrm>
-              <a:off x="4617453" y="3956275"/>
-              <a:ext cx="1656223" cy="830997"/>
-            </a:xfrm>
-            <a:prstGeom prst="rect">
-              <a:avLst/>
-            </a:prstGeom>
-            <a:noFill/>
-          </p:spPr>
-          <p:txBody>
-            <a:bodyPr wrap="none" rtlCol="0">
-              <a:spAutoFit/>
-            </a:bodyPr>
-            <a:lstStyle/>
-            <a:p>
-              <a:pPr algn="ctr"/>
-              <a:r>
-                <a:rPr lang="en-US" sz="2400" b="1" dirty="0" smtClean="0">
-                  <a:latin typeface="Times New Roman" panose="02020603050405020304" pitchFamily="18" charset="0"/>
-                  <a:cs typeface="Times New Roman" panose="02020603050405020304" pitchFamily="18" charset="0"/>
-                </a:rPr>
-                <a:t>Dynamic </a:t>
-              </a:r>
-            </a:p>
-            <a:p>
-              <a:pPr algn="ctr"/>
-              <a:r>
-                <a:rPr lang="en-US" sz="2400" b="1" dirty="0" smtClean="0">
-                  <a:latin typeface="Times New Roman" panose="02020603050405020304" pitchFamily="18" charset="0"/>
-                  <a:cs typeface="Times New Roman" panose="02020603050405020304" pitchFamily="18" charset="0"/>
-                </a:rPr>
-                <a:t>Documents</a:t>
-              </a:r>
-              <a:endParaRPr lang="en-US" sz="2400" b="1" dirty="0">
+              </a:rPr>
+              <a:t>GitHub</a:t>
+            </a:r>
+            <a:endParaRPr lang="en-US" sz="2400" b="1" dirty="0">
+              <a:latin typeface="Times New Roman" panose="02020603050405020304" pitchFamily="18" charset="0"/>
+              <a:cs typeface="Times New Roman" panose="02020603050405020304" pitchFamily="18" charset="0"/>
+            </a:endParaRPr>
+          </a:p>
+        </p:txBody>
+      </p:sp>
+      <p:sp>
+        <p:nvSpPr>
+          <p:cNvPr id="14" name="TextBox 13"/>
+          <p:cNvSpPr txBox="1"/>
+          <p:nvPr/>
+        </p:nvSpPr>
+        <p:spPr>
+          <a:xfrm>
+            <a:off x="5518178" y="3737403"/>
+            <a:ext cx="1656223" cy="830997"/>
+          </a:xfrm>
+          <a:prstGeom prst="rect">
+            <a:avLst/>
+          </a:prstGeom>
+          <a:noFill/>
+        </p:spPr>
+        <p:txBody>
+          <a:bodyPr wrap="none" rtlCol="0">
+            <a:spAutoFit/>
+          </a:bodyPr>
+          <a:lstStyle/>
+          <a:p>
+            <a:pPr algn="ctr"/>
+            <a:r>
+              <a:rPr lang="en-US" sz="2400" b="1" dirty="0" smtClean="0">
                 <a:latin typeface="Times New Roman" panose="02020603050405020304" pitchFamily="18" charset="0"/>
                 <a:cs typeface="Times New Roman" panose="02020603050405020304" pitchFamily="18" charset="0"/>
-              </a:endParaRPr>
-            </a:p>
-          </p:txBody>
-        </p:sp>
-        <p:sp>
-          <p:nvSpPr>
-            <p:cNvPr id="15" name="TextBox 14"/>
-            <p:cNvSpPr txBox="1"/>
-            <p:nvPr/>
-          </p:nvSpPr>
-          <p:spPr>
-            <a:xfrm>
-              <a:off x="5602087" y="2992417"/>
-              <a:ext cx="1477520" cy="461665"/>
-            </a:xfrm>
-            <a:prstGeom prst="rect">
-              <a:avLst/>
-            </a:prstGeom>
-            <a:noFill/>
-          </p:spPr>
-          <p:txBody>
-            <a:bodyPr wrap="none" rtlCol="0">
-              <a:spAutoFit/>
-            </a:bodyPr>
-            <a:lstStyle/>
-            <a:p>
-              <a:r>
-                <a:rPr lang="en-US" sz="2400" b="1" dirty="0" err="1" smtClean="0">
-                  <a:latin typeface="Times New Roman" panose="02020603050405020304" pitchFamily="18" charset="0"/>
-                  <a:cs typeface="Times New Roman" panose="02020603050405020304" pitchFamily="18" charset="0"/>
-                </a:rPr>
-                <a:t>Tidyverse</a:t>
-              </a:r>
-              <a:endParaRPr lang="en-US" sz="2400" b="1" dirty="0">
+              </a:rPr>
+              <a:t>Dynamic </a:t>
+            </a:r>
+          </a:p>
+          <a:p>
+            <a:pPr algn="ctr"/>
+            <a:r>
+              <a:rPr lang="en-US" sz="2400" b="1" dirty="0" smtClean="0">
                 <a:latin typeface="Times New Roman" panose="02020603050405020304" pitchFamily="18" charset="0"/>
                 <a:cs typeface="Times New Roman" panose="02020603050405020304" pitchFamily="18" charset="0"/>
-              </a:endParaRPr>
-            </a:p>
-          </p:txBody>
-        </p:sp>
-        <p:sp>
-          <p:nvSpPr>
-            <p:cNvPr id="16" name="TextBox 15"/>
-            <p:cNvSpPr txBox="1"/>
-            <p:nvPr/>
-          </p:nvSpPr>
-          <p:spPr>
-            <a:xfrm>
-              <a:off x="7314521" y="3125278"/>
-              <a:ext cx="1263487" cy="830997"/>
-            </a:xfrm>
-            <a:prstGeom prst="rect">
-              <a:avLst/>
-            </a:prstGeom>
-            <a:noFill/>
-          </p:spPr>
-          <p:txBody>
-            <a:bodyPr wrap="none" rtlCol="0">
-              <a:spAutoFit/>
-            </a:bodyPr>
-            <a:lstStyle/>
-            <a:p>
-              <a:r>
-                <a:rPr lang="en-US" sz="2400" b="1" dirty="0" smtClean="0">
-                  <a:latin typeface="Times New Roman" panose="02020603050405020304" pitchFamily="18" charset="0"/>
-                  <a:cs typeface="Times New Roman" panose="02020603050405020304" pitchFamily="18" charset="0"/>
-                </a:rPr>
-                <a:t>R, </a:t>
-              </a:r>
-            </a:p>
-            <a:p>
-              <a:r>
-                <a:rPr lang="en-US" sz="2400" b="1" dirty="0" err="1" smtClean="0">
-                  <a:latin typeface="Times New Roman" panose="02020603050405020304" pitchFamily="18" charset="0"/>
-                  <a:cs typeface="Times New Roman" panose="02020603050405020304" pitchFamily="18" charset="0"/>
-                </a:rPr>
-                <a:t>RStudio</a:t>
-              </a:r>
-              <a:endParaRPr lang="en-US" sz="2400" b="1" dirty="0">
+              </a:rPr>
+              <a:t>Documents</a:t>
+            </a:r>
+            <a:endParaRPr lang="en-US" sz="2400" b="1" dirty="0">
+              <a:latin typeface="Times New Roman" panose="02020603050405020304" pitchFamily="18" charset="0"/>
+              <a:cs typeface="Times New Roman" panose="02020603050405020304" pitchFamily="18" charset="0"/>
+            </a:endParaRPr>
+          </a:p>
+        </p:txBody>
+      </p:sp>
+      <p:sp>
+        <p:nvSpPr>
+          <p:cNvPr id="15" name="TextBox 14"/>
+          <p:cNvSpPr txBox="1"/>
+          <p:nvPr/>
+        </p:nvSpPr>
+        <p:spPr>
+          <a:xfrm>
+            <a:off x="5763452" y="2400746"/>
+            <a:ext cx="1477520" cy="461665"/>
+          </a:xfrm>
+          <a:prstGeom prst="rect">
+            <a:avLst/>
+          </a:prstGeom>
+          <a:noFill/>
+        </p:spPr>
+        <p:txBody>
+          <a:bodyPr wrap="none" rtlCol="0">
+            <a:spAutoFit/>
+          </a:bodyPr>
+          <a:lstStyle/>
+          <a:p>
+            <a:r>
+              <a:rPr lang="en-US" sz="2400" b="1" dirty="0" err="1" smtClean="0">
                 <a:latin typeface="Times New Roman" panose="02020603050405020304" pitchFamily="18" charset="0"/>
                 <a:cs typeface="Times New Roman" panose="02020603050405020304" pitchFamily="18" charset="0"/>
-              </a:endParaRPr>
-            </a:p>
-          </p:txBody>
-        </p:sp>
-        <p:sp>
-          <p:nvSpPr>
-            <p:cNvPr id="17" name="TextBox 16"/>
-            <p:cNvSpPr txBox="1"/>
-            <p:nvPr/>
-          </p:nvSpPr>
-          <p:spPr>
-            <a:xfrm>
-              <a:off x="7548462" y="5346290"/>
-              <a:ext cx="800219" cy="461665"/>
-            </a:xfrm>
-            <a:prstGeom prst="rect">
-              <a:avLst/>
-            </a:prstGeom>
-            <a:noFill/>
-          </p:spPr>
-          <p:txBody>
-            <a:bodyPr wrap="none" rtlCol="0">
-              <a:spAutoFit/>
-            </a:bodyPr>
-            <a:lstStyle/>
-            <a:p>
-              <a:r>
-                <a:rPr lang="en-US" sz="2400" b="1" dirty="0" smtClean="0">
-                  <a:latin typeface="Times New Roman" panose="02020603050405020304" pitchFamily="18" charset="0"/>
-                  <a:cs typeface="Times New Roman" panose="02020603050405020304" pitchFamily="18" charset="0"/>
-                </a:rPr>
-                <a:t>SQL</a:t>
-              </a:r>
-              <a:endParaRPr lang="en-US" sz="2400" b="1" dirty="0">
+              </a:rPr>
+              <a:t>Tidyverse</a:t>
+            </a:r>
+            <a:endParaRPr lang="en-US" sz="2400" b="1" dirty="0">
+              <a:latin typeface="Times New Roman" panose="02020603050405020304" pitchFamily="18" charset="0"/>
+              <a:cs typeface="Times New Roman" panose="02020603050405020304" pitchFamily="18" charset="0"/>
+            </a:endParaRPr>
+          </a:p>
+        </p:txBody>
+      </p:sp>
+      <p:sp>
+        <p:nvSpPr>
+          <p:cNvPr id="16" name="TextBox 15"/>
+          <p:cNvSpPr txBox="1"/>
+          <p:nvPr/>
+        </p:nvSpPr>
+        <p:spPr>
+          <a:xfrm>
+            <a:off x="7475886" y="2533607"/>
+            <a:ext cx="1263487" cy="830997"/>
+          </a:xfrm>
+          <a:prstGeom prst="rect">
+            <a:avLst/>
+          </a:prstGeom>
+          <a:noFill/>
+        </p:spPr>
+        <p:txBody>
+          <a:bodyPr wrap="none" rtlCol="0">
+            <a:spAutoFit/>
+          </a:bodyPr>
+          <a:lstStyle/>
+          <a:p>
+            <a:r>
+              <a:rPr lang="en-US" sz="2400" b="1" dirty="0" smtClean="0">
                 <a:latin typeface="Times New Roman" panose="02020603050405020304" pitchFamily="18" charset="0"/>
                 <a:cs typeface="Times New Roman" panose="02020603050405020304" pitchFamily="18" charset="0"/>
-              </a:endParaRPr>
-            </a:p>
-          </p:txBody>
-        </p:sp>
-        <p:sp>
-          <p:nvSpPr>
-            <p:cNvPr id="18" name="TextBox 17"/>
-            <p:cNvSpPr txBox="1"/>
-            <p:nvPr/>
-          </p:nvSpPr>
-          <p:spPr>
-            <a:xfrm>
-              <a:off x="2612370" y="3702280"/>
-              <a:ext cx="1459887" cy="830997"/>
-            </a:xfrm>
-            <a:prstGeom prst="rect">
-              <a:avLst/>
-            </a:prstGeom>
-            <a:noFill/>
-          </p:spPr>
-          <p:txBody>
-            <a:bodyPr wrap="none" rtlCol="0">
-              <a:spAutoFit/>
-            </a:bodyPr>
-            <a:lstStyle/>
-            <a:p>
-              <a:pPr algn="ctr"/>
-              <a:r>
-                <a:rPr lang="en-US" sz="2400" b="1" dirty="0" smtClean="0">
-                  <a:latin typeface="Times New Roman" panose="02020603050405020304" pitchFamily="18" charset="0"/>
-                  <a:cs typeface="Times New Roman" panose="02020603050405020304" pitchFamily="18" charset="0"/>
-                </a:rPr>
-                <a:t>Microsoft</a:t>
-              </a:r>
-            </a:p>
-            <a:p>
-              <a:pPr algn="ctr"/>
-              <a:r>
-                <a:rPr lang="en-US" sz="2400" b="1" dirty="0" smtClean="0">
-                  <a:latin typeface="Times New Roman" panose="02020603050405020304" pitchFamily="18" charset="0"/>
-                  <a:cs typeface="Times New Roman" panose="02020603050405020304" pitchFamily="18" charset="0"/>
-                </a:rPr>
-                <a:t>Office</a:t>
-              </a:r>
-              <a:endParaRPr lang="en-US" sz="2400" b="1" dirty="0">
+              </a:rPr>
+              <a:t>R, </a:t>
+            </a:r>
+          </a:p>
+          <a:p>
+            <a:r>
+              <a:rPr lang="en-US" sz="2400" b="1" dirty="0" err="1" smtClean="0">
                 <a:latin typeface="Times New Roman" panose="02020603050405020304" pitchFamily="18" charset="0"/>
                 <a:cs typeface="Times New Roman" panose="02020603050405020304" pitchFamily="18" charset="0"/>
-              </a:endParaRPr>
-            </a:p>
-          </p:txBody>
-        </p:sp>
-      </p:grpSp>
+              </a:rPr>
+              <a:t>RStudio</a:t>
+            </a:r>
+            <a:endParaRPr lang="en-US" sz="2400" b="1" dirty="0">
+              <a:latin typeface="Times New Roman" panose="02020603050405020304" pitchFamily="18" charset="0"/>
+              <a:cs typeface="Times New Roman" panose="02020603050405020304" pitchFamily="18" charset="0"/>
+            </a:endParaRPr>
+          </a:p>
+        </p:txBody>
+      </p:sp>
+      <p:sp>
+        <p:nvSpPr>
+          <p:cNvPr id="17" name="TextBox 16"/>
+          <p:cNvSpPr txBox="1"/>
+          <p:nvPr/>
+        </p:nvSpPr>
+        <p:spPr>
+          <a:xfrm>
+            <a:off x="7709827" y="4754619"/>
+            <a:ext cx="800219" cy="461665"/>
+          </a:xfrm>
+          <a:prstGeom prst="rect">
+            <a:avLst/>
+          </a:prstGeom>
+          <a:noFill/>
+        </p:spPr>
+        <p:txBody>
+          <a:bodyPr wrap="none" rtlCol="0">
+            <a:spAutoFit/>
+          </a:bodyPr>
+          <a:lstStyle/>
+          <a:p>
+            <a:r>
+              <a:rPr lang="en-US" sz="2400" b="1" dirty="0" smtClean="0">
+                <a:latin typeface="Times New Roman" panose="02020603050405020304" pitchFamily="18" charset="0"/>
+                <a:cs typeface="Times New Roman" panose="02020603050405020304" pitchFamily="18" charset="0"/>
+              </a:rPr>
+              <a:t>SQL</a:t>
+            </a:r>
+            <a:endParaRPr lang="en-US" sz="2400" b="1" dirty="0">
+              <a:latin typeface="Times New Roman" panose="02020603050405020304" pitchFamily="18" charset="0"/>
+              <a:cs typeface="Times New Roman" panose="02020603050405020304" pitchFamily="18" charset="0"/>
+            </a:endParaRPr>
+          </a:p>
+        </p:txBody>
+      </p:sp>
+      <p:sp>
+        <p:nvSpPr>
+          <p:cNvPr id="18" name="TextBox 17"/>
+          <p:cNvSpPr txBox="1"/>
+          <p:nvPr/>
+        </p:nvSpPr>
+        <p:spPr>
+          <a:xfrm>
+            <a:off x="2773735" y="3110609"/>
+            <a:ext cx="1459887" cy="830997"/>
+          </a:xfrm>
+          <a:prstGeom prst="rect">
+            <a:avLst/>
+          </a:prstGeom>
+          <a:noFill/>
+        </p:spPr>
+        <p:txBody>
+          <a:bodyPr wrap="none" rtlCol="0">
+            <a:spAutoFit/>
+          </a:bodyPr>
+          <a:lstStyle/>
+          <a:p>
+            <a:pPr algn="ctr"/>
+            <a:r>
+              <a:rPr lang="en-US" sz="2400" b="1" dirty="0" smtClean="0">
+                <a:latin typeface="Times New Roman" panose="02020603050405020304" pitchFamily="18" charset="0"/>
+                <a:cs typeface="Times New Roman" panose="02020603050405020304" pitchFamily="18" charset="0"/>
+              </a:rPr>
+              <a:t>Microsoft</a:t>
+            </a:r>
+          </a:p>
+          <a:p>
+            <a:pPr algn="ctr"/>
+            <a:r>
+              <a:rPr lang="en-US" sz="2400" b="1" dirty="0" smtClean="0">
+                <a:latin typeface="Times New Roman" panose="02020603050405020304" pitchFamily="18" charset="0"/>
+                <a:cs typeface="Times New Roman" panose="02020603050405020304" pitchFamily="18" charset="0"/>
+              </a:rPr>
+              <a:t>Office</a:t>
+            </a:r>
+            <a:endParaRPr lang="en-US" sz="2400" b="1" dirty="0">
+              <a:latin typeface="Times New Roman" panose="02020603050405020304" pitchFamily="18" charset="0"/>
+              <a:cs typeface="Times New Roman" panose="02020603050405020304" pitchFamily="18" charset="0"/>
+            </a:endParaRPr>
+          </a:p>
+        </p:txBody>
+      </p:sp>
     </p:spTree>
     <p:extLst>
       <p:ext uri="{BB962C8B-B14F-4D97-AF65-F5344CB8AC3E}">

--- a/Week 01/course_intro/images/Images.pptx
+++ b/Week 01/course_intro/images/Images.pptx
@@ -6,6 +6,7 @@
   </p:sldMasterIdLst>
   <p:sldIdLst>
     <p:sldId id="256" r:id="rId2"/>
+    <p:sldId id="257" r:id="rId3"/>
   </p:sldIdLst>
   <p:sldSz cx="12192000" cy="6858000"/>
   <p:notesSz cx="6858000" cy="9144000"/>
@@ -104,6 +105,11 @@
       </a:defRPr>
     </a:lvl9pPr>
   </p:defaultTextStyle>
+  <p:extLst>
+    <p:ext uri="{EFAFB233-063F-42B5-8137-9DF3F51BA10A}">
+      <p15:sldGuideLst xmlns:p15="http://schemas.microsoft.com/office/powerpoint/2012/main"/>
+    </p:ext>
+  </p:extLst>
 </p:presentation>
 </file>
 
@@ -238,7 +244,7 @@
           <a:p>
             <a:fld id="{A624FF00-2D7C-47D8-B718-118A6377EFB1}" type="datetimeFigureOut">
               <a:rPr lang="en-US" smtClean="0"/>
-              <a:t>7/20/2016</a:t>
+              <a:t>7/21/2016</a:t>
             </a:fld>
             <a:endParaRPr lang="en-US"/>
           </a:p>
@@ -408,7 +414,7 @@
           <a:p>
             <a:fld id="{A624FF00-2D7C-47D8-B718-118A6377EFB1}" type="datetimeFigureOut">
               <a:rPr lang="en-US" smtClean="0"/>
-              <a:t>7/20/2016</a:t>
+              <a:t>7/21/2016</a:t>
             </a:fld>
             <a:endParaRPr lang="en-US"/>
           </a:p>
@@ -588,7 +594,7 @@
           <a:p>
             <a:fld id="{A624FF00-2D7C-47D8-B718-118A6377EFB1}" type="datetimeFigureOut">
               <a:rPr lang="en-US" smtClean="0"/>
-              <a:t>7/20/2016</a:t>
+              <a:t>7/21/2016</a:t>
             </a:fld>
             <a:endParaRPr lang="en-US"/>
           </a:p>
@@ -758,7 +764,7 @@
           <a:p>
             <a:fld id="{A624FF00-2D7C-47D8-B718-118A6377EFB1}" type="datetimeFigureOut">
               <a:rPr lang="en-US" smtClean="0"/>
-              <a:t>7/20/2016</a:t>
+              <a:t>7/21/2016</a:t>
             </a:fld>
             <a:endParaRPr lang="en-US"/>
           </a:p>
@@ -1004,7 +1010,7 @@
           <a:p>
             <a:fld id="{A624FF00-2D7C-47D8-B718-118A6377EFB1}" type="datetimeFigureOut">
               <a:rPr lang="en-US" smtClean="0"/>
-              <a:t>7/20/2016</a:t>
+              <a:t>7/21/2016</a:t>
             </a:fld>
             <a:endParaRPr lang="en-US"/>
           </a:p>
@@ -1236,7 +1242,7 @@
           <a:p>
             <a:fld id="{A624FF00-2D7C-47D8-B718-118A6377EFB1}" type="datetimeFigureOut">
               <a:rPr lang="en-US" smtClean="0"/>
-              <a:t>7/20/2016</a:t>
+              <a:t>7/21/2016</a:t>
             </a:fld>
             <a:endParaRPr lang="en-US"/>
           </a:p>
@@ -1603,7 +1609,7 @@
           <a:p>
             <a:fld id="{A624FF00-2D7C-47D8-B718-118A6377EFB1}" type="datetimeFigureOut">
               <a:rPr lang="en-US" smtClean="0"/>
-              <a:t>7/20/2016</a:t>
+              <a:t>7/21/2016</a:t>
             </a:fld>
             <a:endParaRPr lang="en-US"/>
           </a:p>
@@ -1721,7 +1727,7 @@
           <a:p>
             <a:fld id="{A624FF00-2D7C-47D8-B718-118A6377EFB1}" type="datetimeFigureOut">
               <a:rPr lang="en-US" smtClean="0"/>
-              <a:t>7/20/2016</a:t>
+              <a:t>7/21/2016</a:t>
             </a:fld>
             <a:endParaRPr lang="en-US"/>
           </a:p>
@@ -1816,7 +1822,7 @@
           <a:p>
             <a:fld id="{A624FF00-2D7C-47D8-B718-118A6377EFB1}" type="datetimeFigureOut">
               <a:rPr lang="en-US" smtClean="0"/>
-              <a:t>7/20/2016</a:t>
+              <a:t>7/21/2016</a:t>
             </a:fld>
             <a:endParaRPr lang="en-US"/>
           </a:p>
@@ -2093,7 +2099,7 @@
           <a:p>
             <a:fld id="{A624FF00-2D7C-47D8-B718-118A6377EFB1}" type="datetimeFigureOut">
               <a:rPr lang="en-US" smtClean="0"/>
-              <a:t>7/20/2016</a:t>
+              <a:t>7/21/2016</a:t>
             </a:fld>
             <a:endParaRPr lang="en-US"/>
           </a:p>
@@ -2346,7 +2352,7 @@
           <a:p>
             <a:fld id="{A624FF00-2D7C-47D8-B718-118A6377EFB1}" type="datetimeFigureOut">
               <a:rPr lang="en-US" smtClean="0"/>
-              <a:t>7/20/2016</a:t>
+              <a:t>7/21/2016</a:t>
             </a:fld>
             <a:endParaRPr lang="en-US"/>
           </a:p>
@@ -2559,7 +2565,7 @@
           <a:p>
             <a:fld id="{A624FF00-2D7C-47D8-B718-118A6377EFB1}" type="datetimeFigureOut">
               <a:rPr lang="en-US" smtClean="0"/>
-              <a:t>7/20/2016</a:t>
+              <a:t>7/21/2016</a:t>
             </a:fld>
             <a:endParaRPr lang="en-US"/>
           </a:p>
@@ -3531,6 +3537,126 @@
 </p:sld>
 </file>
 
+<file path=ppt/slides/slide2.xml><?xml version="1.0" encoding="utf-8"?>
+<p:sld xmlns:a="http://schemas.openxmlformats.org/drawingml/2006/main" xmlns:r="http://schemas.openxmlformats.org/officeDocument/2006/relationships" xmlns:p="http://schemas.openxmlformats.org/presentationml/2006/main">
+  <p:cSld>
+    <p:spTree>
+      <p:nvGrpSpPr>
+        <p:cNvPr id="1" name=""/>
+        <p:cNvGrpSpPr/>
+        <p:nvPr/>
+      </p:nvGrpSpPr>
+      <p:grpSpPr>
+        <a:xfrm>
+          <a:off x="0" y="0"/>
+          <a:ext cx="0" cy="0"/>
+          <a:chOff x="0" y="0"/>
+          <a:chExt cx="0" cy="0"/>
+        </a:xfrm>
+      </p:grpSpPr>
+      <p:cxnSp>
+        <p:nvCxnSpPr>
+          <p:cNvPr id="5" name="Straight Connector 4"/>
+          <p:cNvCxnSpPr/>
+          <p:nvPr/>
+        </p:nvCxnSpPr>
+        <p:spPr>
+          <a:xfrm>
+            <a:off x="3306871" y="997527"/>
+            <a:ext cx="0" cy="3876426"/>
+          </a:xfrm>
+          <a:prstGeom prst="line">
+            <a:avLst/>
+          </a:prstGeom>
+        </p:spPr>
+        <p:style>
+          <a:lnRef idx="1">
+            <a:schemeClr val="accent1"/>
+          </a:lnRef>
+          <a:fillRef idx="0">
+            <a:schemeClr val="accent1"/>
+          </a:fillRef>
+          <a:effectRef idx="0">
+            <a:schemeClr val="accent1"/>
+          </a:effectRef>
+          <a:fontRef idx="minor">
+            <a:schemeClr val="tx1"/>
+          </a:fontRef>
+        </p:style>
+      </p:cxnSp>
+      <p:cxnSp>
+        <p:nvCxnSpPr>
+          <p:cNvPr id="7" name="Straight Connector 6"/>
+          <p:cNvCxnSpPr/>
+          <p:nvPr/>
+        </p:nvCxnSpPr>
+        <p:spPr>
+          <a:xfrm>
+            <a:off x="3306871" y="4872625"/>
+            <a:ext cx="4555584" cy="1328"/>
+          </a:xfrm>
+          <a:prstGeom prst="line">
+            <a:avLst/>
+          </a:prstGeom>
+        </p:spPr>
+        <p:style>
+          <a:lnRef idx="1">
+            <a:schemeClr val="accent1"/>
+          </a:lnRef>
+          <a:fillRef idx="0">
+            <a:schemeClr val="accent1"/>
+          </a:fillRef>
+          <a:effectRef idx="0">
+            <a:schemeClr val="accent1"/>
+          </a:effectRef>
+          <a:fontRef idx="minor">
+            <a:schemeClr val="tx1"/>
+          </a:fontRef>
+        </p:style>
+      </p:cxnSp>
+      <p:cxnSp>
+        <p:nvCxnSpPr>
+          <p:cNvPr id="12" name="Straight Connector 11"/>
+          <p:cNvCxnSpPr/>
+          <p:nvPr/>
+        </p:nvCxnSpPr>
+        <p:spPr>
+          <a:xfrm flipV="1">
+            <a:off x="3306871" y="2854036"/>
+            <a:ext cx="4555584" cy="20782"/>
+          </a:xfrm>
+          <a:prstGeom prst="line">
+            <a:avLst/>
+          </a:prstGeom>
+        </p:spPr>
+        <p:style>
+          <a:lnRef idx="1">
+            <a:schemeClr val="accent1"/>
+          </a:lnRef>
+          <a:fillRef idx="0">
+            <a:schemeClr val="accent1"/>
+          </a:fillRef>
+          <a:effectRef idx="0">
+            <a:schemeClr val="accent1"/>
+          </a:effectRef>
+          <a:fontRef idx="minor">
+            <a:schemeClr val="tx1"/>
+          </a:fontRef>
+        </p:style>
+      </p:cxnSp>
+    </p:spTree>
+    <p:extLst>
+      <p:ext uri="{BB962C8B-B14F-4D97-AF65-F5344CB8AC3E}">
+        <p14:creationId xmlns:p14="http://schemas.microsoft.com/office/powerpoint/2010/main" val="3744360866"/>
+      </p:ext>
+    </p:extLst>
+  </p:cSld>
+  <p:clrMapOvr>
+    <a:masterClrMapping/>
+  </p:clrMapOvr>
+</p:sld>
+</file>
+
 <file path=ppt/theme/theme1.xml><?xml version="1.0" encoding="utf-8"?>
 <a:theme xmlns:a="http://schemas.openxmlformats.org/drawingml/2006/main" name="Office Theme">
   <a:themeElements>

--- a/Week 01/course_intro/images/Images.pptx
+++ b/Week 01/course_intro/images/Images.pptx
@@ -7,6 +7,7 @@
   <p:sldIdLst>
     <p:sldId id="256" r:id="rId2"/>
     <p:sldId id="257" r:id="rId3"/>
+    <p:sldId id="258" r:id="rId4"/>
   </p:sldIdLst>
   <p:sldSz cx="12192000" cy="6858000"/>
   <p:notesSz cx="6858000" cy="9144000"/>
@@ -107,7 +108,7 @@
   </p:defaultTextStyle>
   <p:extLst>
     <p:ext uri="{EFAFB233-063F-42B5-8137-9DF3F51BA10A}">
-      <p15:sldGuideLst xmlns:p15="http://schemas.microsoft.com/office/powerpoint/2012/main"/>
+      <p15:sldGuideLst xmlns:p15="http://schemas.microsoft.com/office/powerpoint/2012/main" xmlns=""/>
     </p:ext>
   </p:extLst>
 </p:presentation>
@@ -244,7 +245,7 @@
           <a:p>
             <a:fld id="{A624FF00-2D7C-47D8-B718-118A6377EFB1}" type="datetimeFigureOut">
               <a:rPr lang="en-US" smtClean="0"/>
-              <a:t>7/21/2016</a:t>
+              <a:t>7/29/16</a:t>
             </a:fld>
             <a:endParaRPr lang="en-US"/>
           </a:p>
@@ -414,7 +415,7 @@
           <a:p>
             <a:fld id="{A624FF00-2D7C-47D8-B718-118A6377EFB1}" type="datetimeFigureOut">
               <a:rPr lang="en-US" smtClean="0"/>
-              <a:t>7/21/2016</a:t>
+              <a:t>7/29/16</a:t>
             </a:fld>
             <a:endParaRPr lang="en-US"/>
           </a:p>
@@ -594,7 +595,7 @@
           <a:p>
             <a:fld id="{A624FF00-2D7C-47D8-B718-118A6377EFB1}" type="datetimeFigureOut">
               <a:rPr lang="en-US" smtClean="0"/>
-              <a:t>7/21/2016</a:t>
+              <a:t>7/29/16</a:t>
             </a:fld>
             <a:endParaRPr lang="en-US"/>
           </a:p>
@@ -764,7 +765,7 @@
           <a:p>
             <a:fld id="{A624FF00-2D7C-47D8-B718-118A6377EFB1}" type="datetimeFigureOut">
               <a:rPr lang="en-US" smtClean="0"/>
-              <a:t>7/21/2016</a:t>
+              <a:t>7/29/16</a:t>
             </a:fld>
             <a:endParaRPr lang="en-US"/>
           </a:p>
@@ -1010,7 +1011,7 @@
           <a:p>
             <a:fld id="{A624FF00-2D7C-47D8-B718-118A6377EFB1}" type="datetimeFigureOut">
               <a:rPr lang="en-US" smtClean="0"/>
-              <a:t>7/21/2016</a:t>
+              <a:t>7/29/16</a:t>
             </a:fld>
             <a:endParaRPr lang="en-US"/>
           </a:p>
@@ -1242,7 +1243,7 @@
           <a:p>
             <a:fld id="{A624FF00-2D7C-47D8-B718-118A6377EFB1}" type="datetimeFigureOut">
               <a:rPr lang="en-US" smtClean="0"/>
-              <a:t>7/21/2016</a:t>
+              <a:t>7/29/16</a:t>
             </a:fld>
             <a:endParaRPr lang="en-US"/>
           </a:p>
@@ -1609,7 +1610,7 @@
           <a:p>
             <a:fld id="{A624FF00-2D7C-47D8-B718-118A6377EFB1}" type="datetimeFigureOut">
               <a:rPr lang="en-US" smtClean="0"/>
-              <a:t>7/21/2016</a:t>
+              <a:t>7/29/16</a:t>
             </a:fld>
             <a:endParaRPr lang="en-US"/>
           </a:p>
@@ -1727,7 +1728,7 @@
           <a:p>
             <a:fld id="{A624FF00-2D7C-47D8-B718-118A6377EFB1}" type="datetimeFigureOut">
               <a:rPr lang="en-US" smtClean="0"/>
-              <a:t>7/21/2016</a:t>
+              <a:t>7/29/16</a:t>
             </a:fld>
             <a:endParaRPr lang="en-US"/>
           </a:p>
@@ -1822,7 +1823,7 @@
           <a:p>
             <a:fld id="{A624FF00-2D7C-47D8-B718-118A6377EFB1}" type="datetimeFigureOut">
               <a:rPr lang="en-US" smtClean="0"/>
-              <a:t>7/21/2016</a:t>
+              <a:t>7/29/16</a:t>
             </a:fld>
             <a:endParaRPr lang="en-US"/>
           </a:p>
@@ -2099,7 +2100,7 @@
           <a:p>
             <a:fld id="{A624FF00-2D7C-47D8-B718-118A6377EFB1}" type="datetimeFigureOut">
               <a:rPr lang="en-US" smtClean="0"/>
-              <a:t>7/21/2016</a:t>
+              <a:t>7/29/16</a:t>
             </a:fld>
             <a:endParaRPr lang="en-US"/>
           </a:p>
@@ -2352,7 +2353,7 @@
           <a:p>
             <a:fld id="{A624FF00-2D7C-47D8-B718-118A6377EFB1}" type="datetimeFigureOut">
               <a:rPr lang="en-US" smtClean="0"/>
-              <a:t>7/21/2016</a:t>
+              <a:t>7/29/16</a:t>
             </a:fld>
             <a:endParaRPr lang="en-US"/>
           </a:p>
@@ -2565,7 +2566,7 @@
           <a:p>
             <a:fld id="{A624FF00-2D7C-47D8-B718-118A6377EFB1}" type="datetimeFigureOut">
               <a:rPr lang="en-US" smtClean="0"/>
-              <a:t>7/21/2016</a:t>
+              <a:t>7/29/16</a:t>
             </a:fld>
             <a:endParaRPr lang="en-US"/>
           </a:p>
@@ -3657,6 +3658,713 @@
 </p:sld>
 </file>
 
+<file path=ppt/slides/slide3.xml><?xml version="1.0" encoding="utf-8"?>
+<p:sld xmlns:a="http://schemas.openxmlformats.org/drawingml/2006/main" xmlns:r="http://schemas.openxmlformats.org/officeDocument/2006/relationships" xmlns:p="http://schemas.openxmlformats.org/presentationml/2006/main">
+  <p:cSld>
+    <p:spTree>
+      <p:nvGrpSpPr>
+        <p:cNvPr id="1" name=""/>
+        <p:cNvGrpSpPr/>
+        <p:nvPr/>
+      </p:nvGrpSpPr>
+      <p:grpSpPr>
+        <a:xfrm>
+          <a:off x="0" y="0"/>
+          <a:ext cx="0" cy="0"/>
+          <a:chOff x="0" y="0"/>
+          <a:chExt cx="0" cy="0"/>
+        </a:xfrm>
+      </p:grpSpPr>
+      <p:sp>
+        <p:nvSpPr>
+          <p:cNvPr id="18" name="Process 17"/>
+          <p:cNvSpPr/>
+          <p:nvPr/>
+        </p:nvSpPr>
+        <p:spPr>
+          <a:xfrm>
+            <a:off x="4849041" y="2020477"/>
+            <a:ext cx="3544455" cy="3198090"/>
+          </a:xfrm>
+          <a:prstGeom prst="flowChartProcess">
+            <a:avLst/>
+          </a:prstGeom>
+          <a:solidFill>
+            <a:schemeClr val="accent1"/>
+          </a:solidFill>
+          <a:ln>
+            <a:solidFill>
+              <a:srgbClr val="FFFFFF"/>
+            </a:solidFill>
+          </a:ln>
+        </p:spPr>
+        <p:style>
+          <a:lnRef idx="1">
+            <a:schemeClr val="accent1"/>
+          </a:lnRef>
+          <a:fillRef idx="3">
+            <a:schemeClr val="accent1"/>
+          </a:fillRef>
+          <a:effectRef idx="2">
+            <a:schemeClr val="accent1"/>
+          </a:effectRef>
+          <a:fontRef idx="minor">
+            <a:schemeClr val="lt1"/>
+          </a:fontRef>
+        </p:style>
+        <p:txBody>
+          <a:bodyPr rtlCol="0" anchor="ctr"/>
+          <a:lstStyle/>
+          <a:p>
+            <a:pPr algn="ctr"/>
+            <a:endParaRPr lang="en-US"/>
+          </a:p>
+        </p:txBody>
+      </p:sp>
+      <p:sp>
+        <p:nvSpPr>
+          <p:cNvPr id="20" name="Oval 19"/>
+          <p:cNvSpPr/>
+          <p:nvPr/>
+        </p:nvSpPr>
+        <p:spPr>
+          <a:xfrm>
+            <a:off x="5160768" y="2736293"/>
+            <a:ext cx="2286000" cy="2286000"/>
+          </a:xfrm>
+          <a:prstGeom prst="ellipse">
+            <a:avLst/>
+          </a:prstGeom>
+          <a:solidFill>
+            <a:schemeClr val="accent1">
+              <a:lumMod val="40000"/>
+              <a:lumOff val="60000"/>
+            </a:schemeClr>
+          </a:solidFill>
+          <a:ln>
+            <a:solidFill>
+              <a:srgbClr val="FFFFFF"/>
+            </a:solidFill>
+          </a:ln>
+        </p:spPr>
+        <p:style>
+          <a:lnRef idx="1">
+            <a:schemeClr val="accent1"/>
+          </a:lnRef>
+          <a:fillRef idx="3">
+            <a:schemeClr val="accent1"/>
+          </a:fillRef>
+          <a:effectRef idx="2">
+            <a:schemeClr val="accent1"/>
+          </a:effectRef>
+          <a:fontRef idx="minor">
+            <a:schemeClr val="lt1"/>
+          </a:fontRef>
+        </p:style>
+        <p:txBody>
+          <a:bodyPr rtlCol="0" anchor="ctr"/>
+          <a:lstStyle/>
+          <a:p>
+            <a:pPr algn="ctr"/>
+            <a:endParaRPr lang="en-US"/>
+          </a:p>
+        </p:txBody>
+      </p:sp>
+      <p:sp>
+        <p:nvSpPr>
+          <p:cNvPr id="16" name="Can 15"/>
+          <p:cNvSpPr/>
+          <p:nvPr/>
+        </p:nvSpPr>
+        <p:spPr>
+          <a:xfrm>
+            <a:off x="10252338" y="2713204"/>
+            <a:ext cx="1616364" cy="2286000"/>
+          </a:xfrm>
+          <a:prstGeom prst="can">
+            <a:avLst/>
+          </a:prstGeom>
+          <a:solidFill>
+            <a:schemeClr val="tx2"/>
+          </a:solidFill>
+          <a:ln>
+            <a:solidFill>
+              <a:schemeClr val="bg1"/>
+            </a:solidFill>
+          </a:ln>
+        </p:spPr>
+        <p:style>
+          <a:lnRef idx="1">
+            <a:schemeClr val="accent1"/>
+          </a:lnRef>
+          <a:fillRef idx="3">
+            <a:schemeClr val="accent1"/>
+          </a:fillRef>
+          <a:effectRef idx="2">
+            <a:schemeClr val="accent1"/>
+          </a:effectRef>
+          <a:fontRef idx="minor">
+            <a:schemeClr val="lt1"/>
+          </a:fontRef>
+        </p:style>
+        <p:txBody>
+          <a:bodyPr rtlCol="0" anchor="ctr"/>
+          <a:lstStyle/>
+          <a:p>
+            <a:pPr algn="ctr"/>
+            <a:endParaRPr lang="en-US"/>
+          </a:p>
+        </p:txBody>
+      </p:sp>
+      <p:sp>
+        <p:nvSpPr>
+          <p:cNvPr id="17" name="TextBox 16"/>
+          <p:cNvSpPr txBox="1"/>
+          <p:nvPr/>
+        </p:nvSpPr>
+        <p:spPr>
+          <a:xfrm>
+            <a:off x="10529428" y="3683022"/>
+            <a:ext cx="1200727" cy="646331"/>
+          </a:xfrm>
+          <a:prstGeom prst="rect">
+            <a:avLst/>
+          </a:prstGeom>
+          <a:solidFill>
+            <a:schemeClr val="tx2"/>
+          </a:solidFill>
+        </p:spPr>
+        <p:txBody>
+          <a:bodyPr wrap="square" rtlCol="0">
+            <a:spAutoFit/>
+          </a:bodyPr>
+          <a:lstStyle/>
+          <a:p>
+            <a:r>
+              <a:rPr lang="en-US" dirty="0" smtClean="0">
+                <a:solidFill>
+                  <a:schemeClr val="bg1"/>
+                </a:solidFill>
+                <a:latin typeface="Cambria"/>
+                <a:cs typeface="Cambria"/>
+              </a:rPr>
+              <a:t>Relational Database</a:t>
+            </a:r>
+            <a:endParaRPr lang="en-US" dirty="0">
+              <a:solidFill>
+                <a:schemeClr val="bg1"/>
+              </a:solidFill>
+              <a:latin typeface="Cambria"/>
+              <a:cs typeface="Cambria"/>
+            </a:endParaRPr>
+          </a:p>
+        </p:txBody>
+      </p:sp>
+      <p:pic>
+        <p:nvPicPr>
+          <p:cNvPr id="19" name="Picture 18"/>
+          <p:cNvPicPr>
+            <a:picLocks noChangeAspect="1"/>
+          </p:cNvPicPr>
+          <p:nvPr/>
+        </p:nvPicPr>
+        <p:blipFill>
+          <a:blip r:embed="rId2"/>
+          <a:stretch>
+            <a:fillRect/>
+          </a:stretch>
+        </p:blipFill>
+        <p:spPr>
+          <a:xfrm>
+            <a:off x="5691864" y="3425845"/>
+            <a:ext cx="1027545" cy="796347"/>
+          </a:xfrm>
+          <a:prstGeom prst="rect">
+            <a:avLst/>
+          </a:prstGeom>
+        </p:spPr>
+      </p:pic>
+      <p:sp>
+        <p:nvSpPr>
+          <p:cNvPr id="21" name="TextBox 20"/>
+          <p:cNvSpPr txBox="1"/>
+          <p:nvPr/>
+        </p:nvSpPr>
+        <p:spPr>
+          <a:xfrm>
+            <a:off x="4987587" y="2159023"/>
+            <a:ext cx="1154545" cy="369332"/>
+          </a:xfrm>
+          <a:prstGeom prst="rect">
+            <a:avLst/>
+          </a:prstGeom>
+          <a:noFill/>
+        </p:spPr>
+        <p:txBody>
+          <a:bodyPr wrap="square" rtlCol="0">
+            <a:spAutoFit/>
+          </a:bodyPr>
+          <a:lstStyle/>
+          <a:p>
+            <a:r>
+              <a:rPr lang="en-US" dirty="0" err="1" smtClean="0">
+                <a:solidFill>
+                  <a:srgbClr val="FFFFFF"/>
+                </a:solidFill>
+                <a:latin typeface="Cambria"/>
+                <a:cs typeface="Cambria"/>
+              </a:rPr>
+              <a:t>RStudio</a:t>
+            </a:r>
+            <a:endParaRPr lang="en-US" dirty="0">
+              <a:solidFill>
+                <a:srgbClr val="FFFFFF"/>
+              </a:solidFill>
+              <a:latin typeface="Cambria"/>
+              <a:cs typeface="Cambria"/>
+            </a:endParaRPr>
+          </a:p>
+        </p:txBody>
+      </p:sp>
+      <p:cxnSp>
+        <p:nvCxnSpPr>
+          <p:cNvPr id="25" name="Curved Connector 24"/>
+          <p:cNvCxnSpPr>
+            <a:stCxn id="16" idx="2"/>
+            <a:endCxn id="20" idx="6"/>
+          </p:cNvCxnSpPr>
+          <p:nvPr/>
+        </p:nvCxnSpPr>
+        <p:spPr>
+          <a:xfrm flipH="1">
+            <a:off x="7446768" y="3856204"/>
+            <a:ext cx="2805570" cy="23089"/>
+          </a:xfrm>
+          <a:prstGeom prst="straightConnector1">
+            <a:avLst/>
+          </a:prstGeom>
+          <a:ln w="38100" cmpd="sng">
+            <a:solidFill>
+              <a:schemeClr val="tx1">
+                <a:lumMod val="65000"/>
+                <a:lumOff val="35000"/>
+              </a:schemeClr>
+            </a:solidFill>
+            <a:headEnd type="triangle" w="lg" len="med"/>
+            <a:tailEnd type="triangle" w="lg" len="med"/>
+          </a:ln>
+        </p:spPr>
+        <p:style>
+          <a:lnRef idx="2">
+            <a:schemeClr val="accent1"/>
+          </a:lnRef>
+          <a:fillRef idx="0">
+            <a:schemeClr val="accent1"/>
+          </a:fillRef>
+          <a:effectRef idx="1">
+            <a:schemeClr val="accent1"/>
+          </a:effectRef>
+          <a:fontRef idx="minor">
+            <a:schemeClr val="tx1"/>
+          </a:fontRef>
+        </p:style>
+      </p:cxnSp>
+      <p:sp>
+        <p:nvSpPr>
+          <p:cNvPr id="29" name="Rounded Rectangle 28"/>
+          <p:cNvSpPr/>
+          <p:nvPr/>
+        </p:nvSpPr>
+        <p:spPr>
+          <a:xfrm>
+            <a:off x="6869496" y="2874841"/>
+            <a:ext cx="1362364" cy="889000"/>
+          </a:xfrm>
+          <a:prstGeom prst="roundRect">
+            <a:avLst/>
+          </a:prstGeom>
+          <a:solidFill>
+            <a:schemeClr val="accent1">
+              <a:lumMod val="50000"/>
+              <a:alpha val="56000"/>
+            </a:schemeClr>
+          </a:solidFill>
+          <a:ln>
+            <a:solidFill>
+              <a:schemeClr val="bg1"/>
+            </a:solidFill>
+          </a:ln>
+        </p:spPr>
+        <p:style>
+          <a:lnRef idx="1">
+            <a:schemeClr val="accent1"/>
+          </a:lnRef>
+          <a:fillRef idx="3">
+            <a:schemeClr val="accent1"/>
+          </a:fillRef>
+          <a:effectRef idx="2">
+            <a:schemeClr val="accent1"/>
+          </a:effectRef>
+          <a:fontRef idx="minor">
+            <a:schemeClr val="lt1"/>
+          </a:fontRef>
+        </p:style>
+        <p:txBody>
+          <a:bodyPr rtlCol="0" anchor="ctr"/>
+          <a:lstStyle/>
+          <a:p>
+            <a:pPr algn="ctr"/>
+            <a:endParaRPr lang="en-US"/>
+          </a:p>
+        </p:txBody>
+      </p:sp>
+      <p:sp>
+        <p:nvSpPr>
+          <p:cNvPr id="30" name="TextBox 29"/>
+          <p:cNvSpPr txBox="1"/>
+          <p:nvPr/>
+        </p:nvSpPr>
+        <p:spPr>
+          <a:xfrm>
+            <a:off x="6973406" y="3105749"/>
+            <a:ext cx="1166090" cy="369332"/>
+          </a:xfrm>
+          <a:prstGeom prst="rect">
+            <a:avLst/>
+          </a:prstGeom>
+          <a:noFill/>
+        </p:spPr>
+        <p:txBody>
+          <a:bodyPr wrap="square" rtlCol="0">
+            <a:spAutoFit/>
+          </a:bodyPr>
+          <a:lstStyle/>
+          <a:p>
+            <a:r>
+              <a:rPr lang="en-US" dirty="0" err="1" smtClean="0">
+                <a:solidFill>
+                  <a:srgbClr val="FFFFFF"/>
+                </a:solidFill>
+                <a:latin typeface="Cambria"/>
+                <a:cs typeface="Cambria"/>
+              </a:rPr>
+              <a:t>Tidyverse</a:t>
+            </a:r>
+            <a:endParaRPr lang="en-US" dirty="0">
+              <a:solidFill>
+                <a:srgbClr val="FFFFFF"/>
+              </a:solidFill>
+              <a:latin typeface="Cambria"/>
+              <a:cs typeface="Cambria"/>
+            </a:endParaRPr>
+          </a:p>
+        </p:txBody>
+      </p:sp>
+      <p:sp>
+        <p:nvSpPr>
+          <p:cNvPr id="40" name="Connector 39"/>
+          <p:cNvSpPr/>
+          <p:nvPr/>
+        </p:nvSpPr>
+        <p:spPr>
+          <a:xfrm>
+            <a:off x="8797598" y="3486749"/>
+            <a:ext cx="704272" cy="704273"/>
+          </a:xfrm>
+          <a:prstGeom prst="flowChartConnector">
+            <a:avLst/>
+          </a:prstGeom>
+          <a:solidFill>
+            <a:schemeClr val="accent6"/>
+          </a:solidFill>
+          <a:ln>
+            <a:solidFill>
+              <a:srgbClr val="FFFFFF"/>
+            </a:solidFill>
+          </a:ln>
+        </p:spPr>
+        <p:style>
+          <a:lnRef idx="1">
+            <a:schemeClr val="accent1"/>
+          </a:lnRef>
+          <a:fillRef idx="3">
+            <a:schemeClr val="accent1"/>
+          </a:fillRef>
+          <a:effectRef idx="2">
+            <a:schemeClr val="accent1"/>
+          </a:effectRef>
+          <a:fontRef idx="minor">
+            <a:schemeClr val="lt1"/>
+          </a:fontRef>
+        </p:style>
+        <p:txBody>
+          <a:bodyPr rtlCol="0" anchor="ctr"/>
+          <a:lstStyle/>
+          <a:p>
+            <a:pPr algn="ctr"/>
+            <a:endParaRPr lang="en-US"/>
+          </a:p>
+        </p:txBody>
+      </p:sp>
+      <p:sp>
+        <p:nvSpPr>
+          <p:cNvPr id="41" name="TextBox 40"/>
+          <p:cNvSpPr txBox="1"/>
+          <p:nvPr/>
+        </p:nvSpPr>
+        <p:spPr>
+          <a:xfrm>
+            <a:off x="8889961" y="3636841"/>
+            <a:ext cx="611909" cy="369332"/>
+          </a:xfrm>
+          <a:prstGeom prst="rect">
+            <a:avLst/>
+          </a:prstGeom>
+          <a:noFill/>
+        </p:spPr>
+        <p:txBody>
+          <a:bodyPr wrap="square" rtlCol="0">
+            <a:spAutoFit/>
+          </a:bodyPr>
+          <a:lstStyle/>
+          <a:p>
+            <a:r>
+              <a:rPr lang="en-US" dirty="0" smtClean="0">
+                <a:solidFill>
+                  <a:srgbClr val="FFFFFF"/>
+                </a:solidFill>
+                <a:latin typeface="Cambria"/>
+                <a:cs typeface="Cambria"/>
+              </a:rPr>
+              <a:t>SQL</a:t>
+            </a:r>
+            <a:endParaRPr lang="en-US" dirty="0">
+              <a:solidFill>
+                <a:srgbClr val="FFFFFF"/>
+              </a:solidFill>
+              <a:latin typeface="Cambria"/>
+              <a:cs typeface="Cambria"/>
+            </a:endParaRPr>
+          </a:p>
+        </p:txBody>
+      </p:sp>
+      <p:sp>
+        <p:nvSpPr>
+          <p:cNvPr id="42" name="Multidocument 41"/>
+          <p:cNvSpPr/>
+          <p:nvPr/>
+        </p:nvSpPr>
+        <p:spPr>
+          <a:xfrm>
+            <a:off x="1177637" y="2020477"/>
+            <a:ext cx="2320636" cy="2066636"/>
+          </a:xfrm>
+          <a:prstGeom prst="flowChartMultidocument">
+            <a:avLst/>
+          </a:prstGeom>
+          <a:solidFill>
+            <a:schemeClr val="accent2"/>
+          </a:solidFill>
+          <a:ln>
+            <a:solidFill>
+              <a:srgbClr val="FFFFFF"/>
+            </a:solidFill>
+          </a:ln>
+        </p:spPr>
+        <p:style>
+          <a:lnRef idx="1">
+            <a:schemeClr val="accent1"/>
+          </a:lnRef>
+          <a:fillRef idx="3">
+            <a:schemeClr val="accent1"/>
+          </a:fillRef>
+          <a:effectRef idx="2">
+            <a:schemeClr val="accent1"/>
+          </a:effectRef>
+          <a:fontRef idx="minor">
+            <a:schemeClr val="lt1"/>
+          </a:fontRef>
+        </p:style>
+        <p:txBody>
+          <a:bodyPr rtlCol="0" anchor="ctr"/>
+          <a:lstStyle/>
+          <a:p>
+            <a:pPr algn="ctr"/>
+            <a:endParaRPr lang="en-US"/>
+          </a:p>
+        </p:txBody>
+      </p:sp>
+      <p:pic>
+        <p:nvPicPr>
+          <p:cNvPr id="43" name="Picture 42"/>
+          <p:cNvPicPr>
+            <a:picLocks noChangeAspect="1"/>
+          </p:cNvPicPr>
+          <p:nvPr/>
+        </p:nvPicPr>
+        <p:blipFill>
+          <a:blip r:embed="rId3"/>
+          <a:stretch>
+            <a:fillRect/>
+          </a:stretch>
+        </p:blipFill>
+        <p:spPr>
+          <a:xfrm>
+            <a:off x="1607128" y="2653167"/>
+            <a:ext cx="965200" cy="304800"/>
+          </a:xfrm>
+          <a:prstGeom prst="rect">
+            <a:avLst/>
+          </a:prstGeom>
+        </p:spPr>
+      </p:pic>
+      <p:cxnSp>
+        <p:nvCxnSpPr>
+          <p:cNvPr id="45" name="Curved Connector 44"/>
+          <p:cNvCxnSpPr>
+            <a:stCxn id="20" idx="4"/>
+            <a:endCxn id="42" idx="2"/>
+          </p:cNvCxnSpPr>
+          <p:nvPr/>
+        </p:nvCxnSpPr>
+        <p:spPr>
+          <a:xfrm rot="5400000" flipH="1">
+            <a:off x="3733455" y="2451980"/>
+            <a:ext cx="1013444" cy="4127183"/>
+          </a:xfrm>
+          <a:prstGeom prst="curvedConnector3">
+            <a:avLst>
+              <a:gd name="adj1" fmla="val -103443"/>
+            </a:avLst>
+          </a:prstGeom>
+          <a:ln w="38100" cmpd="sng">
+            <a:solidFill>
+              <a:schemeClr val="tx1">
+                <a:lumMod val="65000"/>
+                <a:lumOff val="35000"/>
+              </a:schemeClr>
+            </a:solidFill>
+            <a:tailEnd type="triangle" w="lg" len="med"/>
+          </a:ln>
+        </p:spPr>
+        <p:style>
+          <a:lnRef idx="2">
+            <a:schemeClr val="accent1"/>
+          </a:lnRef>
+          <a:fillRef idx="0">
+            <a:schemeClr val="accent1"/>
+          </a:fillRef>
+          <a:effectRef idx="1">
+            <a:schemeClr val="accent1"/>
+          </a:effectRef>
+          <a:fontRef idx="minor">
+            <a:schemeClr val="tx1"/>
+          </a:fontRef>
+        </p:style>
+      </p:cxnSp>
+      <p:sp>
+        <p:nvSpPr>
+          <p:cNvPr id="51" name="Rounded Rectangle 50"/>
+          <p:cNvSpPr/>
+          <p:nvPr/>
+        </p:nvSpPr>
+        <p:spPr>
+          <a:xfrm>
+            <a:off x="3662169" y="5578786"/>
+            <a:ext cx="1362364" cy="889000"/>
+          </a:xfrm>
+          <a:prstGeom prst="roundRect">
+            <a:avLst/>
+          </a:prstGeom>
+          <a:solidFill>
+            <a:schemeClr val="accent1">
+              <a:lumMod val="50000"/>
+            </a:schemeClr>
+          </a:solidFill>
+          <a:ln>
+            <a:solidFill>
+              <a:schemeClr val="bg1"/>
+            </a:solidFill>
+          </a:ln>
+        </p:spPr>
+        <p:style>
+          <a:lnRef idx="1">
+            <a:schemeClr val="accent1"/>
+          </a:lnRef>
+          <a:fillRef idx="3">
+            <a:schemeClr val="accent1"/>
+          </a:fillRef>
+          <a:effectRef idx="2">
+            <a:schemeClr val="accent1"/>
+          </a:effectRef>
+          <a:fontRef idx="minor">
+            <a:schemeClr val="lt1"/>
+          </a:fontRef>
+        </p:style>
+        <p:txBody>
+          <a:bodyPr rtlCol="0" anchor="ctr"/>
+          <a:lstStyle/>
+          <a:p>
+            <a:pPr algn="ctr"/>
+            <a:endParaRPr lang="en-US"/>
+          </a:p>
+        </p:txBody>
+      </p:sp>
+      <p:sp>
+        <p:nvSpPr>
+          <p:cNvPr id="52" name="TextBox 51"/>
+          <p:cNvSpPr txBox="1"/>
+          <p:nvPr/>
+        </p:nvSpPr>
+        <p:spPr>
+          <a:xfrm>
+            <a:off x="3719895" y="5694242"/>
+            <a:ext cx="1394739" cy="646331"/>
+          </a:xfrm>
+          <a:prstGeom prst="rect">
+            <a:avLst/>
+          </a:prstGeom>
+          <a:noFill/>
+        </p:spPr>
+        <p:txBody>
+          <a:bodyPr wrap="square" rtlCol="0">
+            <a:spAutoFit/>
+          </a:bodyPr>
+          <a:lstStyle/>
+          <a:p>
+            <a:r>
+              <a:rPr lang="en-US" dirty="0" smtClean="0">
+                <a:solidFill>
+                  <a:srgbClr val="FFFFFF"/>
+                </a:solidFill>
+                <a:latin typeface="Cambria"/>
+                <a:cs typeface="Cambria"/>
+              </a:rPr>
+              <a:t>Dynamic Documents</a:t>
+            </a:r>
+            <a:endParaRPr lang="en-US" dirty="0">
+              <a:solidFill>
+                <a:srgbClr val="FFFFFF"/>
+              </a:solidFill>
+              <a:latin typeface="Cambria"/>
+              <a:cs typeface="Cambria"/>
+            </a:endParaRPr>
+          </a:p>
+        </p:txBody>
+      </p:sp>
+    </p:spTree>
+    <p:extLst>
+      <p:ext uri="{BB962C8B-B14F-4D97-AF65-F5344CB8AC3E}">
+        <p14:creationId xmlns:p14="http://schemas.microsoft.com/office/powerpoint/2010/main" val="943078934"/>
+      </p:ext>
+    </p:extLst>
+  </p:cSld>
+  <p:clrMapOvr>
+    <a:masterClrMapping/>
+  </p:clrMapOvr>
+</p:sld>
+</file>
+
 <file path=ppt/theme/theme1.xml><?xml version="1.0" encoding="utf-8"?>
 <a:theme xmlns:a="http://schemas.openxmlformats.org/drawingml/2006/main" name="Office Theme">
   <a:themeElements>
@@ -3700,7 +4408,7 @@
     </a:clrScheme>
     <a:fontScheme name="Office">
       <a:majorFont>
-        <a:latin typeface="Calibri Light" panose="020F0302020204030204"/>
+        <a:latin typeface="Calibri Light"/>
         <a:ea typeface=""/>
         <a:cs typeface=""/>
         <a:font script="Jpan" typeface="ＭＳ Ｐゴシック"/>
@@ -3735,7 +4443,7 @@
         <a:font script="Geor" typeface="Sylfaen"/>
       </a:majorFont>
       <a:minorFont>
-        <a:latin typeface="Calibri" panose="020F0502020204030204"/>
+        <a:latin typeface="Calibri"/>
         <a:ea typeface=""/>
         <a:cs typeface=""/>
         <a:font script="Jpan" typeface="ＭＳ Ｐゴシック"/>
@@ -3912,7 +4620,7 @@
   <a:extraClrSchemeLst/>
   <a:extLst>
     <a:ext uri="{05A4C25C-085E-4340-85A3-A5531E510DB2}">
-      <thm15:themeFamily xmlns:thm15="http://schemas.microsoft.com/office/thememl/2012/main" name="Office Theme" id="{62F939B6-93AF-4DB8-9C6B-D6C7DFDC589F}" vid="{4A3C46E8-61CC-4603-A589-7422A47A8E4A}"/>
+      <thm15:themeFamily xmlns:thm15="http://schemas.microsoft.com/office/thememl/2012/main" xmlns="" name="Office Theme" id="{62F939B6-93AF-4DB8-9C6B-D6C7DFDC589F}" vid="{4A3C46E8-61CC-4603-A589-7422A47A8E4A}"/>
     </a:ext>
   </a:extLst>
 </a:theme>
